--- a/src/export/monthly_report.pptx
+++ b/src/export/monthly_report.pptx
@@ -3218,6 +3218,50 @@
           </a:prstGeom>
         </p:spPr>
       </p:pic>
+      <p:sp>
+        <p:nvSpPr>
+          <p:cNvPr id="4" name="TextBox 3"/>
+          <p:cNvSpPr txBox="1"/>
+          <p:nvPr/>
+        </p:nvSpPr>
+        <p:spPr>
+          <a:xfrm>
+            <a:off x="685800" y="5029200"/>
+            <a:ext cx="8229600" cy="1828800"/>
+          </a:xfrm>
+          <a:prstGeom prst="rect">
+            <a:avLst/>
+          </a:prstGeom>
+          <a:noFill/>
+        </p:spPr>
+        <p:txBody>
+          <a:bodyPr wrap="none">
+            <a:spAutoFit/>
+          </a:bodyPr>
+          <a:lstStyle/>
+          <a:p/>
+          <a:p>
+            <a:pPr>
+              <a:defRPr sz="1800" b="1"/>
+            </a:pPr>
+            <a:r>
+              <a:t>Analysis</a:t>
+            </a:r>
+          </a:p>
+          <a:p>
+            <a:pPr lvl="1"/>
+            <a:r>
+              <a:t>• TOP 3 worst are blur,incomplate and nick</a:t>
+            </a:r>
+          </a:p>
+          <a:p>
+            <a:pPr lvl="2"/>
+            <a:r>
+              <a:t>- blur 78.4%</a:t>
+            </a:r>
+          </a:p>
+        </p:txBody>
+      </p:sp>
     </p:spTree>
   </p:cSld>
   <p:clrMapOvr>
